--- a/cooperativeNegotiation/expes/graphs-Exp2.pptx
+++ b/cooperativeNegotiation/expes/graphs-Exp2.pptx
@@ -6,6 +6,7 @@
   </p:sldMasterIdLst>
   <p:sldIdLst>
     <p:sldId id="256" r:id="rId2"/>
+    <p:sldId id="257" r:id="rId3"/>
   </p:sldIdLst>
   <p:sldSz cx="12192000" cy="6858000"/>
   <p:notesSz cx="6858000" cy="9144000"/>
@@ -104,6 +105,11 @@
       </a:defRPr>
     </a:lvl9pPr>
   </p:defaultTextStyle>
+  <p:extLst>
+    <p:ext uri="{EFAFB233-063F-42B5-8137-9DF3F51BA10A}">
+      <p15:sldGuideLst xmlns:p15="http://schemas.microsoft.com/office/powerpoint/2012/main"/>
+    </p:ext>
+  </p:extLst>
 </p:presentation>
 </file>
 
@@ -581,6 +587,460 @@
 </c:chartSpace>
 </file>
 
+<file path=ppt/charts/chart2.xml><?xml version="1.0" encoding="utf-8"?>
+<c:chartSpace xmlns:c="http://schemas.openxmlformats.org/drawingml/2006/chart" xmlns:a="http://schemas.openxmlformats.org/drawingml/2006/main" xmlns:r="http://schemas.openxmlformats.org/officeDocument/2006/relationships" xmlns:c16r2="http://schemas.microsoft.com/office/drawing/2015/06/chart">
+  <c:date1904 val="0"/>
+  <c:lang val="fr-FR"/>
+  <c:roundedCorners val="0"/>
+  <mc:AlternateContent xmlns:mc="http://schemas.openxmlformats.org/markup-compatibility/2006">
+    <mc:Choice xmlns:c14="http://schemas.microsoft.com/office/drawing/2007/8/2/chart" Requires="c14">
+      <c14:style val="102"/>
+    </mc:Choice>
+    <mc:Fallback>
+      <c:style val="2"/>
+    </mc:Fallback>
+  </mc:AlternateContent>
+  <c:chart>
+    <c:autoTitleDeleted val="1"/>
+    <c:plotArea>
+      <c:layout/>
+      <c:barChart>
+        <c:barDir val="col"/>
+        <c:grouping val="clustered"/>
+        <c:varyColors val="0"/>
+        <c:ser>
+          <c:idx val="0"/>
+          <c:order val="0"/>
+          <c:tx>
+            <c:strRef>
+              <c:f>Sheet2!$N$54</c:f>
+              <c:strCache>
+                <c:ptCount val="1"/>
+                <c:pt idx="0">
+                  <c:v>Bob</c:v>
+                </c:pt>
+              </c:strCache>
+            </c:strRef>
+          </c:tx>
+          <c:spPr>
+            <a:solidFill>
+              <a:schemeClr val="accent1"/>
+            </a:solidFill>
+            <a:ln>
+              <a:noFill/>
+            </a:ln>
+            <a:effectLst/>
+          </c:spPr>
+          <c:invertIfNegative val="0"/>
+          <c:errBars>
+            <c:errBarType val="both"/>
+            <c:errValType val="cust"/>
+            <c:noEndCap val="0"/>
+            <c:plus>
+              <c:numRef>
+                <c:f>Sheet2!$P$55:$P$58</c:f>
+                <c:numCache>
+                  <c:formatCode>General</c:formatCode>
+                  <c:ptCount val="4"/>
+                  <c:pt idx="0">
+                    <c:v>1.300851</c:v>
+                  </c:pt>
+                  <c:pt idx="1">
+                    <c:v>1.3299810000000001</c:v>
+                  </c:pt>
+                  <c:pt idx="2">
+                    <c:v>1.243136</c:v>
+                  </c:pt>
+                  <c:pt idx="3">
+                    <c:v>0.98752130000000005</c:v>
+                  </c:pt>
+                </c:numCache>
+              </c:numRef>
+            </c:plus>
+            <c:minus>
+              <c:numRef>
+                <c:f>Sheet2!$P$55:$P$58</c:f>
+                <c:numCache>
+                  <c:formatCode>General</c:formatCode>
+                  <c:ptCount val="4"/>
+                  <c:pt idx="0">
+                    <c:v>1.300851</c:v>
+                  </c:pt>
+                  <c:pt idx="1">
+                    <c:v>1.3299810000000001</c:v>
+                  </c:pt>
+                  <c:pt idx="2">
+                    <c:v>1.243136</c:v>
+                  </c:pt>
+                  <c:pt idx="3">
+                    <c:v>0.98752130000000005</c:v>
+                  </c:pt>
+                </c:numCache>
+              </c:numRef>
+            </c:minus>
+            <c:spPr>
+              <a:noFill/>
+              <a:ln w="9525" cap="flat" cmpd="sng" algn="ctr">
+                <a:solidFill>
+                  <a:schemeClr val="tx1">
+                    <a:lumMod val="65000"/>
+                    <a:lumOff val="35000"/>
+                  </a:schemeClr>
+                </a:solidFill>
+                <a:round/>
+              </a:ln>
+              <a:effectLst/>
+            </c:spPr>
+          </c:errBars>
+          <c:cat>
+            <c:strRef>
+              <c:f>Sheet2!$M$55:$M$58</c:f>
+              <c:strCache>
+                <c:ptCount val="4"/>
+                <c:pt idx="0">
+                  <c:v>SoiVsAutre</c:v>
+                </c:pt>
+                <c:pt idx="1">
+                  <c:v>Exigence</c:v>
+                </c:pt>
+                <c:pt idx="2">
+                  <c:v>Concessions</c:v>
+                </c:pt>
+                <c:pt idx="3">
+                  <c:v>Lead</c:v>
+                </c:pt>
+              </c:strCache>
+            </c:strRef>
+          </c:cat>
+          <c:val>
+            <c:numRef>
+              <c:f>Sheet2!$N$55:$N$58</c:f>
+              <c:numCache>
+                <c:formatCode>General</c:formatCode>
+                <c:ptCount val="4"/>
+                <c:pt idx="0">
+                  <c:v>2.921875</c:v>
+                </c:pt>
+                <c:pt idx="1">
+                  <c:v>3.59375</c:v>
+                </c:pt>
+                <c:pt idx="2">
+                  <c:v>3.296875</c:v>
+                </c:pt>
+                <c:pt idx="3">
+                  <c:v>4.40625</c:v>
+                </c:pt>
+              </c:numCache>
+            </c:numRef>
+          </c:val>
+          <c:extLst>
+            <c:ext xmlns:c16="http://schemas.microsoft.com/office/drawing/2014/chart" uri="{C3380CC4-5D6E-409C-BE32-E72D297353CC}">
+              <c16:uniqueId val="{00000000-004B-4D35-B985-D87C088412B1}"/>
+            </c:ext>
+          </c:extLst>
+        </c:ser>
+        <c:ser>
+          <c:idx val="1"/>
+          <c:order val="1"/>
+          <c:tx>
+            <c:strRef>
+              <c:f>Sheet2!$O$54</c:f>
+              <c:strCache>
+                <c:ptCount val="1"/>
+                <c:pt idx="0">
+                  <c:v>Arthur</c:v>
+                </c:pt>
+              </c:strCache>
+            </c:strRef>
+          </c:tx>
+          <c:spPr>
+            <a:solidFill>
+              <a:srgbClr val="92D050"/>
+            </a:solidFill>
+            <a:ln>
+              <a:noFill/>
+            </a:ln>
+            <a:effectLst/>
+          </c:spPr>
+          <c:invertIfNegative val="0"/>
+          <c:errBars>
+            <c:errBarType val="both"/>
+            <c:errValType val="cust"/>
+            <c:noEndCap val="0"/>
+            <c:plus>
+              <c:numRef>
+                <c:f>Sheet2!$Q$55:$Q$58</c:f>
+                <c:numCache>
+                  <c:formatCode>General</c:formatCode>
+                  <c:ptCount val="4"/>
+                  <c:pt idx="0">
+                    <c:v>1.1311560000000001</c:v>
+                  </c:pt>
+                  <c:pt idx="1">
+                    <c:v>1.2977970000000001</c:v>
+                  </c:pt>
+                  <c:pt idx="2">
+                    <c:v>1.163154</c:v>
+                  </c:pt>
+                  <c:pt idx="3">
+                    <c:v>1.0946070000000001</c:v>
+                  </c:pt>
+                </c:numCache>
+              </c:numRef>
+            </c:plus>
+            <c:minus>
+              <c:numRef>
+                <c:f>Sheet2!$Q$55:$Q$58</c:f>
+                <c:numCache>
+                  <c:formatCode>General</c:formatCode>
+                  <c:ptCount val="4"/>
+                  <c:pt idx="0">
+                    <c:v>1.1311560000000001</c:v>
+                  </c:pt>
+                  <c:pt idx="1">
+                    <c:v>1.2977970000000001</c:v>
+                  </c:pt>
+                  <c:pt idx="2">
+                    <c:v>1.163154</c:v>
+                  </c:pt>
+                  <c:pt idx="3">
+                    <c:v>1.0946070000000001</c:v>
+                  </c:pt>
+                </c:numCache>
+              </c:numRef>
+            </c:minus>
+            <c:spPr>
+              <a:noFill/>
+              <a:ln w="9525" cap="flat" cmpd="sng" algn="ctr">
+                <a:solidFill>
+                  <a:schemeClr val="accent1"/>
+                </a:solidFill>
+                <a:round/>
+              </a:ln>
+              <a:effectLst/>
+            </c:spPr>
+          </c:errBars>
+          <c:cat>
+            <c:strRef>
+              <c:f>Sheet2!$M$55:$M$58</c:f>
+              <c:strCache>
+                <c:ptCount val="4"/>
+                <c:pt idx="0">
+                  <c:v>SoiVsAutre</c:v>
+                </c:pt>
+                <c:pt idx="1">
+                  <c:v>Exigence</c:v>
+                </c:pt>
+                <c:pt idx="2">
+                  <c:v>Concessions</c:v>
+                </c:pt>
+                <c:pt idx="3">
+                  <c:v>Lead</c:v>
+                </c:pt>
+              </c:strCache>
+            </c:strRef>
+          </c:cat>
+          <c:val>
+            <c:numRef>
+              <c:f>Sheet2!$O$55:$O$58</c:f>
+              <c:numCache>
+                <c:formatCode>General</c:formatCode>
+                <c:ptCount val="4"/>
+                <c:pt idx="0">
+                  <c:v>2.078125</c:v>
+                </c:pt>
+                <c:pt idx="1">
+                  <c:v>2.328125</c:v>
+                </c:pt>
+                <c:pt idx="2">
+                  <c:v>3.390625</c:v>
+                </c:pt>
+                <c:pt idx="3">
+                  <c:v>1.765625</c:v>
+                </c:pt>
+              </c:numCache>
+            </c:numRef>
+          </c:val>
+          <c:extLst>
+            <c:ext xmlns:c16="http://schemas.microsoft.com/office/drawing/2014/chart" uri="{C3380CC4-5D6E-409C-BE32-E72D297353CC}">
+              <c16:uniqueId val="{00000001-004B-4D35-B985-D87C088412B1}"/>
+            </c:ext>
+          </c:extLst>
+        </c:ser>
+        <c:dLbls>
+          <c:showLegendKey val="0"/>
+          <c:showVal val="0"/>
+          <c:showCatName val="0"/>
+          <c:showSerName val="0"/>
+          <c:showPercent val="0"/>
+          <c:showBubbleSize val="0"/>
+        </c:dLbls>
+        <c:gapWidth val="219"/>
+        <c:overlap val="-27"/>
+        <c:axId val="327597152"/>
+        <c:axId val="327589936"/>
+      </c:barChart>
+      <c:catAx>
+        <c:axId val="327597152"/>
+        <c:scaling>
+          <c:orientation val="minMax"/>
+        </c:scaling>
+        <c:delete val="0"/>
+        <c:axPos val="b"/>
+        <c:numFmt formatCode="General" sourceLinked="1"/>
+        <c:majorTickMark val="none"/>
+        <c:minorTickMark val="none"/>
+        <c:tickLblPos val="nextTo"/>
+        <c:spPr>
+          <a:noFill/>
+          <a:ln w="9525" cap="flat" cmpd="sng" algn="ctr">
+            <a:solidFill>
+              <a:schemeClr val="tx1">
+                <a:lumMod val="15000"/>
+                <a:lumOff val="85000"/>
+              </a:schemeClr>
+            </a:solidFill>
+            <a:round/>
+          </a:ln>
+          <a:effectLst/>
+        </c:spPr>
+        <c:txPr>
+          <a:bodyPr rot="-60000000" spcFirstLastPara="1" vertOverflow="ellipsis" vert="horz" wrap="square" anchor="ctr" anchorCtr="1"/>
+          <a:lstStyle/>
+          <a:p>
+            <a:pPr>
+              <a:defRPr sz="2000" b="1" i="0" u="none" strike="noStrike" kern="1200" baseline="0">
+                <a:solidFill>
+                  <a:schemeClr val="tx1">
+                    <a:lumMod val="65000"/>
+                    <a:lumOff val="35000"/>
+                  </a:schemeClr>
+                </a:solidFill>
+                <a:latin typeface="+mn-lt"/>
+                <a:ea typeface="+mn-ea"/>
+                <a:cs typeface="+mn-cs"/>
+              </a:defRPr>
+            </a:pPr>
+            <a:endParaRPr lang="fr-FR"/>
+          </a:p>
+        </c:txPr>
+        <c:crossAx val="327589936"/>
+        <c:crosses val="autoZero"/>
+        <c:auto val="1"/>
+        <c:lblAlgn val="ctr"/>
+        <c:lblOffset val="100"/>
+        <c:noMultiLvlLbl val="0"/>
+      </c:catAx>
+      <c:valAx>
+        <c:axId val="327589936"/>
+        <c:scaling>
+          <c:orientation val="minMax"/>
+          <c:max val="5"/>
+        </c:scaling>
+        <c:delete val="0"/>
+        <c:axPos val="l"/>
+        <c:numFmt formatCode="General" sourceLinked="1"/>
+        <c:majorTickMark val="none"/>
+        <c:minorTickMark val="none"/>
+        <c:tickLblPos val="nextTo"/>
+        <c:spPr>
+          <a:noFill/>
+          <a:ln>
+            <a:noFill/>
+          </a:ln>
+          <a:effectLst/>
+        </c:spPr>
+        <c:txPr>
+          <a:bodyPr rot="-60000000" spcFirstLastPara="1" vertOverflow="ellipsis" vert="horz" wrap="square" anchor="ctr" anchorCtr="1"/>
+          <a:lstStyle/>
+          <a:p>
+            <a:pPr>
+              <a:defRPr sz="2000" b="0" i="0" u="none" strike="noStrike" kern="1200" baseline="0">
+                <a:solidFill>
+                  <a:schemeClr val="tx1">
+                    <a:lumMod val="65000"/>
+                    <a:lumOff val="35000"/>
+                  </a:schemeClr>
+                </a:solidFill>
+                <a:latin typeface="+mn-lt"/>
+                <a:ea typeface="+mn-ea"/>
+                <a:cs typeface="+mn-cs"/>
+              </a:defRPr>
+            </a:pPr>
+            <a:endParaRPr lang="fr-FR"/>
+          </a:p>
+        </c:txPr>
+        <c:crossAx val="327597152"/>
+        <c:crosses val="autoZero"/>
+        <c:crossBetween val="between"/>
+        <c:majorUnit val="1"/>
+      </c:valAx>
+      <c:spPr>
+        <a:noFill/>
+        <a:ln>
+          <a:noFill/>
+        </a:ln>
+        <a:effectLst/>
+      </c:spPr>
+    </c:plotArea>
+    <c:legend>
+      <c:legendPos val="b"/>
+      <c:overlay val="0"/>
+      <c:spPr>
+        <a:noFill/>
+        <a:ln>
+          <a:noFill/>
+        </a:ln>
+        <a:effectLst/>
+      </c:spPr>
+      <c:txPr>
+        <a:bodyPr rot="0" spcFirstLastPara="1" vertOverflow="ellipsis" vert="horz" wrap="square" anchor="ctr" anchorCtr="1"/>
+        <a:lstStyle/>
+        <a:p>
+          <a:pPr>
+            <a:defRPr lang="fr-FR" sz="2000" b="0" i="0" u="none" strike="noStrike" kern="1200" baseline="0">
+              <a:solidFill>
+                <a:schemeClr val="tx1">
+                  <a:lumMod val="65000"/>
+                  <a:lumOff val="35000"/>
+                </a:schemeClr>
+              </a:solidFill>
+              <a:latin typeface="+mn-lt"/>
+              <a:ea typeface="+mn-ea"/>
+              <a:cs typeface="+mn-cs"/>
+            </a:defRPr>
+          </a:pPr>
+          <a:endParaRPr lang="fr-FR"/>
+        </a:p>
+      </c:txPr>
+    </c:legend>
+    <c:plotVisOnly val="1"/>
+    <c:dispBlanksAs val="gap"/>
+    <c:showDLblsOverMax val="0"/>
+  </c:chart>
+  <c:spPr>
+    <a:noFill/>
+    <a:ln>
+      <a:noFill/>
+    </a:ln>
+    <a:effectLst/>
+  </c:spPr>
+  <c:txPr>
+    <a:bodyPr/>
+    <a:lstStyle/>
+    <a:p>
+      <a:pPr>
+        <a:defRPr/>
+      </a:pPr>
+      <a:endParaRPr lang="fr-FR"/>
+    </a:p>
+  </c:txPr>
+  <c:externalData r:id="rId3">
+    <c:autoUpdate val="0"/>
+  </c:externalData>
+</c:chartSpace>
+</file>
+
 <file path=ppt/charts/colors1.xml><?xml version="1.0" encoding="utf-8"?>
 <cs:colorStyle xmlns:cs="http://schemas.microsoft.com/office/drawing/2012/chartStyle" xmlns:a="http://schemas.openxmlformats.org/drawingml/2006/main" meth="cycle" id="10">
   <a:schemeClr val="accent1"/>
@@ -621,7 +1081,550 @@
 </cs:colorStyle>
 </file>
 
+<file path=ppt/charts/colors2.xml><?xml version="1.0" encoding="utf-8"?>
+<cs:colorStyle xmlns:cs="http://schemas.microsoft.com/office/drawing/2012/chartStyle" xmlns:a="http://schemas.openxmlformats.org/drawingml/2006/main" meth="cycle" id="10">
+  <a:schemeClr val="accent1"/>
+  <a:schemeClr val="accent2"/>
+  <a:schemeClr val="accent3"/>
+  <a:schemeClr val="accent4"/>
+  <a:schemeClr val="accent5"/>
+  <a:schemeClr val="accent6"/>
+  <cs:variation/>
+  <cs:variation>
+    <a:lumMod val="60000"/>
+  </cs:variation>
+  <cs:variation>
+    <a:lumMod val="80000"/>
+    <a:lumOff val="20000"/>
+  </cs:variation>
+  <cs:variation>
+    <a:lumMod val="80000"/>
+  </cs:variation>
+  <cs:variation>
+    <a:lumMod val="60000"/>
+    <a:lumOff val="40000"/>
+  </cs:variation>
+  <cs:variation>
+    <a:lumMod val="50000"/>
+  </cs:variation>
+  <cs:variation>
+    <a:lumMod val="70000"/>
+    <a:lumOff val="30000"/>
+  </cs:variation>
+  <cs:variation>
+    <a:lumMod val="70000"/>
+  </cs:variation>
+  <cs:variation>
+    <a:lumMod val="50000"/>
+    <a:lumOff val="50000"/>
+  </cs:variation>
+</cs:colorStyle>
+</file>
+
 <file path=ppt/charts/style1.xml><?xml version="1.0" encoding="utf-8"?>
+<cs:chartStyle xmlns:cs="http://schemas.microsoft.com/office/drawing/2012/chartStyle" xmlns:a="http://schemas.openxmlformats.org/drawingml/2006/main" id="201">
+  <cs:axisTitle>
+    <cs:lnRef idx="0"/>
+    <cs:fillRef idx="0"/>
+    <cs:effectRef idx="0"/>
+    <cs:fontRef idx="minor">
+      <a:schemeClr val="tx1">
+        <a:lumMod val="65000"/>
+        <a:lumOff val="35000"/>
+      </a:schemeClr>
+    </cs:fontRef>
+    <cs:defRPr sz="1000" kern="1200"/>
+  </cs:axisTitle>
+  <cs:categoryAxis>
+    <cs:lnRef idx="0"/>
+    <cs:fillRef idx="0"/>
+    <cs:effectRef idx="0"/>
+    <cs:fontRef idx="minor">
+      <a:schemeClr val="tx1">
+        <a:lumMod val="65000"/>
+        <a:lumOff val="35000"/>
+      </a:schemeClr>
+    </cs:fontRef>
+    <cs:spPr>
+      <a:ln w="9525" cap="flat" cmpd="sng" algn="ctr">
+        <a:solidFill>
+          <a:schemeClr val="tx1">
+            <a:lumMod val="15000"/>
+            <a:lumOff val="85000"/>
+          </a:schemeClr>
+        </a:solidFill>
+        <a:round/>
+      </a:ln>
+    </cs:spPr>
+    <cs:defRPr sz="900" kern="1200"/>
+  </cs:categoryAxis>
+  <cs:chartArea mods="allowNoFillOverride allowNoLineOverride">
+    <cs:lnRef idx="0"/>
+    <cs:fillRef idx="0"/>
+    <cs:effectRef idx="0"/>
+    <cs:fontRef idx="minor">
+      <a:schemeClr val="tx1"/>
+    </cs:fontRef>
+    <cs:spPr>
+      <a:solidFill>
+        <a:schemeClr val="bg1"/>
+      </a:solidFill>
+      <a:ln w="9525" cap="flat" cmpd="sng" algn="ctr">
+        <a:solidFill>
+          <a:schemeClr val="tx1">
+            <a:lumMod val="15000"/>
+            <a:lumOff val="85000"/>
+          </a:schemeClr>
+        </a:solidFill>
+        <a:round/>
+      </a:ln>
+    </cs:spPr>
+    <cs:defRPr sz="1000" kern="1200"/>
+  </cs:chartArea>
+  <cs:dataLabel>
+    <cs:lnRef idx="0"/>
+    <cs:fillRef idx="0"/>
+    <cs:effectRef idx="0"/>
+    <cs:fontRef idx="minor">
+      <a:schemeClr val="tx1">
+        <a:lumMod val="75000"/>
+        <a:lumOff val="25000"/>
+      </a:schemeClr>
+    </cs:fontRef>
+    <cs:defRPr sz="900" kern="1200"/>
+  </cs:dataLabel>
+  <cs:dataLabelCallout>
+    <cs:lnRef idx="0"/>
+    <cs:fillRef idx="0"/>
+    <cs:effectRef idx="0"/>
+    <cs:fontRef idx="minor">
+      <a:schemeClr val="dk1">
+        <a:lumMod val="65000"/>
+        <a:lumOff val="35000"/>
+      </a:schemeClr>
+    </cs:fontRef>
+    <cs:spPr>
+      <a:solidFill>
+        <a:schemeClr val="lt1"/>
+      </a:solidFill>
+      <a:ln>
+        <a:solidFill>
+          <a:schemeClr val="dk1">
+            <a:lumMod val="25000"/>
+            <a:lumOff val="75000"/>
+          </a:schemeClr>
+        </a:solidFill>
+      </a:ln>
+    </cs:spPr>
+    <cs:defRPr sz="900" kern="1200"/>
+    <cs:bodyPr rot="0" spcFirstLastPara="1" vertOverflow="clip" horzOverflow="clip" vert="horz" wrap="square" lIns="36576" tIns="18288" rIns="36576" bIns="18288" anchor="ctr" anchorCtr="1">
+      <a:spAutoFit/>
+    </cs:bodyPr>
+  </cs:dataLabelCallout>
+  <cs:dataPoint>
+    <cs:lnRef idx="0"/>
+    <cs:fillRef idx="1">
+      <cs:styleClr val="auto"/>
+    </cs:fillRef>
+    <cs:effectRef idx="0"/>
+    <cs:fontRef idx="minor">
+      <a:schemeClr val="tx1"/>
+    </cs:fontRef>
+  </cs:dataPoint>
+  <cs:dataPoint3D>
+    <cs:lnRef idx="0"/>
+    <cs:fillRef idx="1">
+      <cs:styleClr val="auto"/>
+    </cs:fillRef>
+    <cs:effectRef idx="0"/>
+    <cs:fontRef idx="minor">
+      <a:schemeClr val="tx1"/>
+    </cs:fontRef>
+  </cs:dataPoint3D>
+  <cs:dataPointLine>
+    <cs:lnRef idx="0">
+      <cs:styleClr val="auto"/>
+    </cs:lnRef>
+    <cs:fillRef idx="1"/>
+    <cs:effectRef idx="0"/>
+    <cs:fontRef idx="minor">
+      <a:schemeClr val="tx1"/>
+    </cs:fontRef>
+    <cs:spPr>
+      <a:ln w="28575" cap="rnd">
+        <a:solidFill>
+          <a:schemeClr val="phClr"/>
+        </a:solidFill>
+        <a:round/>
+      </a:ln>
+    </cs:spPr>
+  </cs:dataPointLine>
+  <cs:dataPointMarker>
+    <cs:lnRef idx="0">
+      <cs:styleClr val="auto"/>
+    </cs:lnRef>
+    <cs:fillRef idx="1">
+      <cs:styleClr val="auto"/>
+    </cs:fillRef>
+    <cs:effectRef idx="0"/>
+    <cs:fontRef idx="minor">
+      <a:schemeClr val="tx1"/>
+    </cs:fontRef>
+    <cs:spPr>
+      <a:ln w="9525">
+        <a:solidFill>
+          <a:schemeClr val="phClr"/>
+        </a:solidFill>
+      </a:ln>
+    </cs:spPr>
+  </cs:dataPointMarker>
+  <cs:dataPointMarkerLayout symbol="circle" size="5"/>
+  <cs:dataPointWireframe>
+    <cs:lnRef idx="0">
+      <cs:styleClr val="auto"/>
+    </cs:lnRef>
+    <cs:fillRef idx="1"/>
+    <cs:effectRef idx="0"/>
+    <cs:fontRef idx="minor">
+      <a:schemeClr val="tx1"/>
+    </cs:fontRef>
+    <cs:spPr>
+      <a:ln w="9525" cap="rnd">
+        <a:solidFill>
+          <a:schemeClr val="phClr"/>
+        </a:solidFill>
+        <a:round/>
+      </a:ln>
+    </cs:spPr>
+  </cs:dataPointWireframe>
+  <cs:dataTable>
+    <cs:lnRef idx="0"/>
+    <cs:fillRef idx="0"/>
+    <cs:effectRef idx="0"/>
+    <cs:fontRef idx="minor">
+      <a:schemeClr val="tx1">
+        <a:lumMod val="65000"/>
+        <a:lumOff val="35000"/>
+      </a:schemeClr>
+    </cs:fontRef>
+    <cs:spPr>
+      <a:noFill/>
+      <a:ln w="9525" cap="flat" cmpd="sng" algn="ctr">
+        <a:solidFill>
+          <a:schemeClr val="tx1">
+            <a:lumMod val="15000"/>
+            <a:lumOff val="85000"/>
+          </a:schemeClr>
+        </a:solidFill>
+        <a:round/>
+      </a:ln>
+    </cs:spPr>
+    <cs:defRPr sz="900" kern="1200"/>
+  </cs:dataTable>
+  <cs:downBar>
+    <cs:lnRef idx="0"/>
+    <cs:fillRef idx="0"/>
+    <cs:effectRef idx="0"/>
+    <cs:fontRef idx="minor">
+      <a:schemeClr val="dk1"/>
+    </cs:fontRef>
+    <cs:spPr>
+      <a:solidFill>
+        <a:schemeClr val="dk1">
+          <a:lumMod val="65000"/>
+          <a:lumOff val="35000"/>
+        </a:schemeClr>
+      </a:solidFill>
+      <a:ln w="9525">
+        <a:solidFill>
+          <a:schemeClr val="tx1">
+            <a:lumMod val="65000"/>
+            <a:lumOff val="35000"/>
+          </a:schemeClr>
+        </a:solidFill>
+      </a:ln>
+    </cs:spPr>
+  </cs:downBar>
+  <cs:dropLine>
+    <cs:lnRef idx="0"/>
+    <cs:fillRef idx="0"/>
+    <cs:effectRef idx="0"/>
+    <cs:fontRef idx="minor">
+      <a:schemeClr val="tx1"/>
+    </cs:fontRef>
+    <cs:spPr>
+      <a:ln w="9525" cap="flat" cmpd="sng" algn="ctr">
+        <a:solidFill>
+          <a:schemeClr val="tx1">
+            <a:lumMod val="35000"/>
+            <a:lumOff val="65000"/>
+          </a:schemeClr>
+        </a:solidFill>
+        <a:round/>
+      </a:ln>
+    </cs:spPr>
+  </cs:dropLine>
+  <cs:errorBar>
+    <cs:lnRef idx="0"/>
+    <cs:fillRef idx="0"/>
+    <cs:effectRef idx="0"/>
+    <cs:fontRef idx="minor">
+      <a:schemeClr val="tx1"/>
+    </cs:fontRef>
+    <cs:spPr>
+      <a:ln w="9525" cap="flat" cmpd="sng" algn="ctr">
+        <a:solidFill>
+          <a:schemeClr val="tx1">
+            <a:lumMod val="65000"/>
+            <a:lumOff val="35000"/>
+          </a:schemeClr>
+        </a:solidFill>
+        <a:round/>
+      </a:ln>
+    </cs:spPr>
+  </cs:errorBar>
+  <cs:floor>
+    <cs:lnRef idx="0"/>
+    <cs:fillRef idx="0"/>
+    <cs:effectRef idx="0"/>
+    <cs:fontRef idx="minor">
+      <a:schemeClr val="tx1"/>
+    </cs:fontRef>
+    <cs:spPr>
+      <a:noFill/>
+      <a:ln>
+        <a:noFill/>
+      </a:ln>
+    </cs:spPr>
+  </cs:floor>
+  <cs:gridlineMajor>
+    <cs:lnRef idx="0"/>
+    <cs:fillRef idx="0"/>
+    <cs:effectRef idx="0"/>
+    <cs:fontRef idx="minor">
+      <a:schemeClr val="tx1"/>
+    </cs:fontRef>
+    <cs:spPr>
+      <a:ln w="9525" cap="flat" cmpd="sng" algn="ctr">
+        <a:solidFill>
+          <a:schemeClr val="tx1">
+            <a:lumMod val="15000"/>
+            <a:lumOff val="85000"/>
+          </a:schemeClr>
+        </a:solidFill>
+        <a:round/>
+      </a:ln>
+    </cs:spPr>
+  </cs:gridlineMajor>
+  <cs:gridlineMinor>
+    <cs:lnRef idx="0"/>
+    <cs:fillRef idx="0"/>
+    <cs:effectRef idx="0"/>
+    <cs:fontRef idx="minor">
+      <a:schemeClr val="tx1"/>
+    </cs:fontRef>
+    <cs:spPr>
+      <a:ln w="9525" cap="flat" cmpd="sng" algn="ctr">
+        <a:solidFill>
+          <a:schemeClr val="tx1">
+            <a:lumMod val="5000"/>
+            <a:lumOff val="95000"/>
+          </a:schemeClr>
+        </a:solidFill>
+        <a:round/>
+      </a:ln>
+    </cs:spPr>
+  </cs:gridlineMinor>
+  <cs:hiLoLine>
+    <cs:lnRef idx="0"/>
+    <cs:fillRef idx="0"/>
+    <cs:effectRef idx="0"/>
+    <cs:fontRef idx="minor">
+      <a:schemeClr val="tx1"/>
+    </cs:fontRef>
+    <cs:spPr>
+      <a:ln w="9525" cap="flat" cmpd="sng" algn="ctr">
+        <a:solidFill>
+          <a:schemeClr val="tx1">
+            <a:lumMod val="75000"/>
+            <a:lumOff val="25000"/>
+          </a:schemeClr>
+        </a:solidFill>
+        <a:round/>
+      </a:ln>
+    </cs:spPr>
+  </cs:hiLoLine>
+  <cs:leaderLine>
+    <cs:lnRef idx="0"/>
+    <cs:fillRef idx="0"/>
+    <cs:effectRef idx="0"/>
+    <cs:fontRef idx="minor">
+      <a:schemeClr val="tx1"/>
+    </cs:fontRef>
+    <cs:spPr>
+      <a:ln w="9525" cap="flat" cmpd="sng" algn="ctr">
+        <a:solidFill>
+          <a:schemeClr val="tx1">
+            <a:lumMod val="35000"/>
+            <a:lumOff val="65000"/>
+          </a:schemeClr>
+        </a:solidFill>
+        <a:round/>
+      </a:ln>
+    </cs:spPr>
+  </cs:leaderLine>
+  <cs:legend>
+    <cs:lnRef idx="0"/>
+    <cs:fillRef idx="0"/>
+    <cs:effectRef idx="0"/>
+    <cs:fontRef idx="minor">
+      <a:schemeClr val="tx1">
+        <a:lumMod val="65000"/>
+        <a:lumOff val="35000"/>
+      </a:schemeClr>
+    </cs:fontRef>
+    <cs:defRPr sz="900" kern="1200"/>
+  </cs:legend>
+  <cs:plotArea mods="allowNoFillOverride allowNoLineOverride">
+    <cs:lnRef idx="0"/>
+    <cs:fillRef idx="0"/>
+    <cs:effectRef idx="0"/>
+    <cs:fontRef idx="minor">
+      <a:schemeClr val="tx1"/>
+    </cs:fontRef>
+  </cs:plotArea>
+  <cs:plotArea3D mods="allowNoFillOverride allowNoLineOverride">
+    <cs:lnRef idx="0"/>
+    <cs:fillRef idx="0"/>
+    <cs:effectRef idx="0"/>
+    <cs:fontRef idx="minor">
+      <a:schemeClr val="tx1"/>
+    </cs:fontRef>
+  </cs:plotArea3D>
+  <cs:seriesAxis>
+    <cs:lnRef idx="0"/>
+    <cs:fillRef idx="0"/>
+    <cs:effectRef idx="0"/>
+    <cs:fontRef idx="minor">
+      <a:schemeClr val="tx1">
+        <a:lumMod val="65000"/>
+        <a:lumOff val="35000"/>
+      </a:schemeClr>
+    </cs:fontRef>
+    <cs:defRPr sz="900" kern="1200"/>
+  </cs:seriesAxis>
+  <cs:seriesLine>
+    <cs:lnRef idx="0"/>
+    <cs:fillRef idx="0"/>
+    <cs:effectRef idx="0"/>
+    <cs:fontRef idx="minor">
+      <a:schemeClr val="tx1"/>
+    </cs:fontRef>
+    <cs:spPr>
+      <a:ln w="9525" cap="flat" cmpd="sng" algn="ctr">
+        <a:solidFill>
+          <a:schemeClr val="tx1">
+            <a:lumMod val="35000"/>
+            <a:lumOff val="65000"/>
+          </a:schemeClr>
+        </a:solidFill>
+        <a:round/>
+      </a:ln>
+    </cs:spPr>
+  </cs:seriesLine>
+  <cs:title>
+    <cs:lnRef idx="0"/>
+    <cs:fillRef idx="0"/>
+    <cs:effectRef idx="0"/>
+    <cs:fontRef idx="minor">
+      <a:schemeClr val="tx1">
+        <a:lumMod val="65000"/>
+        <a:lumOff val="35000"/>
+      </a:schemeClr>
+    </cs:fontRef>
+    <cs:defRPr sz="1400" b="0" kern="1200" spc="0" baseline="0"/>
+  </cs:title>
+  <cs:trendline>
+    <cs:lnRef idx="0">
+      <cs:styleClr val="auto"/>
+    </cs:lnRef>
+    <cs:fillRef idx="0"/>
+    <cs:effectRef idx="0"/>
+    <cs:fontRef idx="minor">
+      <a:schemeClr val="tx1"/>
+    </cs:fontRef>
+    <cs:spPr>
+      <a:ln w="19050" cap="rnd">
+        <a:solidFill>
+          <a:schemeClr val="phClr"/>
+        </a:solidFill>
+        <a:prstDash val="sysDot"/>
+      </a:ln>
+    </cs:spPr>
+  </cs:trendline>
+  <cs:trendlineLabel>
+    <cs:lnRef idx="0"/>
+    <cs:fillRef idx="0"/>
+    <cs:effectRef idx="0"/>
+    <cs:fontRef idx="minor">
+      <a:schemeClr val="tx1">
+        <a:lumMod val="65000"/>
+        <a:lumOff val="35000"/>
+      </a:schemeClr>
+    </cs:fontRef>
+    <cs:defRPr sz="900" kern="1200"/>
+  </cs:trendlineLabel>
+  <cs:upBar>
+    <cs:lnRef idx="0"/>
+    <cs:fillRef idx="0"/>
+    <cs:effectRef idx="0"/>
+    <cs:fontRef idx="minor">
+      <a:schemeClr val="dk1"/>
+    </cs:fontRef>
+    <cs:spPr>
+      <a:solidFill>
+        <a:schemeClr val="lt1"/>
+      </a:solidFill>
+      <a:ln w="9525">
+        <a:solidFill>
+          <a:schemeClr val="tx1">
+            <a:lumMod val="15000"/>
+            <a:lumOff val="85000"/>
+          </a:schemeClr>
+        </a:solidFill>
+      </a:ln>
+    </cs:spPr>
+  </cs:upBar>
+  <cs:valueAxis>
+    <cs:lnRef idx="0"/>
+    <cs:fillRef idx="0"/>
+    <cs:effectRef idx="0"/>
+    <cs:fontRef idx="minor">
+      <a:schemeClr val="tx1">
+        <a:lumMod val="65000"/>
+        <a:lumOff val="35000"/>
+      </a:schemeClr>
+    </cs:fontRef>
+    <cs:defRPr sz="900" kern="1200"/>
+  </cs:valueAxis>
+  <cs:wall>
+    <cs:lnRef idx="0"/>
+    <cs:fillRef idx="0"/>
+    <cs:effectRef idx="0"/>
+    <cs:fontRef idx="minor">
+      <a:schemeClr val="tx1"/>
+    </cs:fontRef>
+    <cs:spPr>
+      <a:noFill/>
+      <a:ln>
+        <a:noFill/>
+      </a:ln>
+    </cs:spPr>
+  </cs:wall>
+</cs:chartStyle>
+</file>
+
+<file path=ppt/charts/style2.xml><?xml version="1.0" encoding="utf-8"?>
 <cs:chartStyle xmlns:cs="http://schemas.microsoft.com/office/drawing/2012/chartStyle" xmlns:a="http://schemas.openxmlformats.org/drawingml/2006/main" id="201">
   <cs:axisTitle>
     <cs:lnRef idx="0"/>
@@ -1258,7 +2261,7 @@
         <a:p xmlns:a="http://schemas.openxmlformats.org/drawingml/2006/main">
           <a:r>
             <a:rPr lang="fr-FR" sz="1600" i="1" dirty="0"/>
-            <a:t>P =0.05</a:t>
+            <a:t>P =0.055</a:t>
           </a:r>
           <a:r>
             <a:rPr lang="fr-FR" sz="1600" dirty="0"/>
@@ -1418,7 +2421,7 @@
           <a:p>
             <a:fld id="{98C2B5CA-5730-4F6B-802C-2C80990D1648}" type="datetimeFigureOut">
               <a:rPr lang="fr-FR" smtClean="0"/>
-              <a:t>19/09/2017</a:t>
+              <a:t>03/06/2018</a:t>
             </a:fld>
             <a:endParaRPr lang="fr-FR"/>
           </a:p>
@@ -1616,7 +2619,7 @@
           <a:p>
             <a:fld id="{98C2B5CA-5730-4F6B-802C-2C80990D1648}" type="datetimeFigureOut">
               <a:rPr lang="fr-FR" smtClean="0"/>
-              <a:t>19/09/2017</a:t>
+              <a:t>03/06/2018</a:t>
             </a:fld>
             <a:endParaRPr lang="fr-FR"/>
           </a:p>
@@ -1824,7 +2827,7 @@
           <a:p>
             <a:fld id="{98C2B5CA-5730-4F6B-802C-2C80990D1648}" type="datetimeFigureOut">
               <a:rPr lang="fr-FR" smtClean="0"/>
-              <a:t>19/09/2017</a:t>
+              <a:t>03/06/2018</a:t>
             </a:fld>
             <a:endParaRPr lang="fr-FR"/>
           </a:p>
@@ -2022,7 +3025,7 @@
           <a:p>
             <a:fld id="{98C2B5CA-5730-4F6B-802C-2C80990D1648}" type="datetimeFigureOut">
               <a:rPr lang="fr-FR" smtClean="0"/>
-              <a:t>19/09/2017</a:t>
+              <a:t>03/06/2018</a:t>
             </a:fld>
             <a:endParaRPr lang="fr-FR"/>
           </a:p>
@@ -2297,7 +3300,7 @@
           <a:p>
             <a:fld id="{98C2B5CA-5730-4F6B-802C-2C80990D1648}" type="datetimeFigureOut">
               <a:rPr lang="fr-FR" smtClean="0"/>
-              <a:t>19/09/2017</a:t>
+              <a:t>03/06/2018</a:t>
             </a:fld>
             <a:endParaRPr lang="fr-FR"/>
           </a:p>
@@ -2562,7 +3565,7 @@
           <a:p>
             <a:fld id="{98C2B5CA-5730-4F6B-802C-2C80990D1648}" type="datetimeFigureOut">
               <a:rPr lang="fr-FR" smtClean="0"/>
-              <a:t>19/09/2017</a:t>
+              <a:t>03/06/2018</a:t>
             </a:fld>
             <a:endParaRPr lang="fr-FR"/>
           </a:p>
@@ -2974,7 +3977,7 @@
           <a:p>
             <a:fld id="{98C2B5CA-5730-4F6B-802C-2C80990D1648}" type="datetimeFigureOut">
               <a:rPr lang="fr-FR" smtClean="0"/>
-              <a:t>19/09/2017</a:t>
+              <a:t>03/06/2018</a:t>
             </a:fld>
             <a:endParaRPr lang="fr-FR"/>
           </a:p>
@@ -3115,7 +4118,7 @@
           <a:p>
             <a:fld id="{98C2B5CA-5730-4F6B-802C-2C80990D1648}" type="datetimeFigureOut">
               <a:rPr lang="fr-FR" smtClean="0"/>
-              <a:t>19/09/2017</a:t>
+              <a:t>03/06/2018</a:t>
             </a:fld>
             <a:endParaRPr lang="fr-FR"/>
           </a:p>
@@ -3228,7 +4231,7 @@
           <a:p>
             <a:fld id="{98C2B5CA-5730-4F6B-802C-2C80990D1648}" type="datetimeFigureOut">
               <a:rPr lang="fr-FR" smtClean="0"/>
-              <a:t>19/09/2017</a:t>
+              <a:t>03/06/2018</a:t>
             </a:fld>
             <a:endParaRPr lang="fr-FR"/>
           </a:p>
@@ -3539,7 +4542,7 @@
           <a:p>
             <a:fld id="{98C2B5CA-5730-4F6B-802C-2C80990D1648}" type="datetimeFigureOut">
               <a:rPr lang="fr-FR" smtClean="0"/>
-              <a:t>19/09/2017</a:t>
+              <a:t>03/06/2018</a:t>
             </a:fld>
             <a:endParaRPr lang="fr-FR"/>
           </a:p>
@@ -3827,7 +4830,7 @@
           <a:p>
             <a:fld id="{98C2B5CA-5730-4F6B-802C-2C80990D1648}" type="datetimeFigureOut">
               <a:rPr lang="fr-FR" smtClean="0"/>
-              <a:t>19/09/2017</a:t>
+              <a:t>03/06/2018</a:t>
             </a:fld>
             <a:endParaRPr lang="fr-FR"/>
           </a:p>
@@ -4068,7 +5071,7 @@
           <a:p>
             <a:fld id="{98C2B5CA-5730-4F6B-802C-2C80990D1648}" type="datetimeFigureOut">
               <a:rPr lang="fr-FR" smtClean="0"/>
-              <a:t>19/09/2017</a:t>
+              <a:t>03/06/2018</a:t>
             </a:fld>
             <a:endParaRPr lang="fr-FR"/>
           </a:p>
@@ -4500,7 +5503,7 @@
           <p:nvPr>
             <p:extLst>
               <p:ext uri="{D42A27DB-BD31-4B8C-83A1-F6EECF244321}">
-                <p14:modId xmlns:p14="http://schemas.microsoft.com/office/powerpoint/2010/main" val="2677857856"/>
+                <p14:modId xmlns:p14="http://schemas.microsoft.com/office/powerpoint/2010/main" val="3578895393"/>
               </p:ext>
             </p:extLst>
           </p:nvPr>
@@ -5251,6 +6254,957 @@
     <p:extLst>
       <p:ext uri="{BB962C8B-B14F-4D97-AF65-F5344CB8AC3E}">
         <p14:creationId xmlns:p14="http://schemas.microsoft.com/office/powerpoint/2010/main" val="3005043593"/>
+      </p:ext>
+    </p:extLst>
+  </p:cSld>
+  <p:clrMapOvr>
+    <a:masterClrMapping/>
+  </p:clrMapOvr>
+</p:sld>
+</file>
+
+<file path=ppt/slides/slide2.xml><?xml version="1.0" encoding="utf-8"?>
+<p:sld xmlns:a="http://schemas.openxmlformats.org/drawingml/2006/main" xmlns:r="http://schemas.openxmlformats.org/officeDocument/2006/relationships" xmlns:p="http://schemas.openxmlformats.org/presentationml/2006/main">
+  <p:cSld>
+    <p:spTree>
+      <p:nvGrpSpPr>
+        <p:cNvPr id="1" name=""/>
+        <p:cNvGrpSpPr/>
+        <p:nvPr/>
+      </p:nvGrpSpPr>
+      <p:grpSpPr>
+        <a:xfrm>
+          <a:off x="0" y="0"/>
+          <a:ext cx="0" cy="0"/>
+          <a:chOff x="0" y="0"/>
+          <a:chExt cx="0" cy="0"/>
+        </a:xfrm>
+      </p:grpSpPr>
+      <p:graphicFrame>
+        <p:nvGraphicFramePr>
+          <p:cNvPr id="4" name="Graphique 3">
+            <a:extLst>
+              <a:ext uri="{FF2B5EF4-FFF2-40B4-BE49-F238E27FC236}">
+                <a16:creationId xmlns:a16="http://schemas.microsoft.com/office/drawing/2014/main" id="{3BCA1CF2-890F-451D-BEED-EDFAD7730FE4}"/>
+              </a:ext>
+            </a:extLst>
+          </p:cNvPr>
+          <p:cNvGraphicFramePr>
+            <a:graphicFrameLocks/>
+          </p:cNvGraphicFramePr>
+          <p:nvPr>
+            <p:extLst>
+              <p:ext uri="{D42A27DB-BD31-4B8C-83A1-F6EECF244321}">
+                <p14:modId xmlns:p14="http://schemas.microsoft.com/office/powerpoint/2010/main" val="2823316097"/>
+              </p:ext>
+            </p:extLst>
+          </p:nvPr>
+        </p:nvGraphicFramePr>
+        <p:xfrm>
+          <a:off x="818777" y="926354"/>
+          <a:ext cx="10984748" cy="5630592"/>
+        </p:xfrm>
+        <a:graphic>
+          <a:graphicData uri="http://schemas.openxmlformats.org/drawingml/2006/chart">
+            <c:chart xmlns:c="http://schemas.openxmlformats.org/drawingml/2006/chart" xmlns:r="http://schemas.openxmlformats.org/officeDocument/2006/relationships" r:id="rId2"/>
+          </a:graphicData>
+        </a:graphic>
+      </p:graphicFrame>
+      <p:grpSp>
+        <p:nvGrpSpPr>
+          <p:cNvPr id="28" name="Groupe 27">
+            <a:extLst>
+              <a:ext uri="{FF2B5EF4-FFF2-40B4-BE49-F238E27FC236}">
+                <a16:creationId xmlns:a16="http://schemas.microsoft.com/office/drawing/2014/main" id="{5F1FBD9C-F245-4FE1-A0BF-B556AAFE397F}"/>
+              </a:ext>
+            </a:extLst>
+          </p:cNvPr>
+          <p:cNvGrpSpPr/>
+          <p:nvPr/>
+        </p:nvGrpSpPr>
+        <p:grpSpPr>
+          <a:xfrm>
+            <a:off x="2168693" y="679588"/>
+            <a:ext cx="1979865" cy="471059"/>
+            <a:chOff x="2598523" y="1270933"/>
+            <a:chExt cx="1677957" cy="471059"/>
+          </a:xfrm>
+        </p:grpSpPr>
+        <p:grpSp>
+          <p:nvGrpSpPr>
+            <p:cNvPr id="5" name="Groupe 4">
+              <a:extLst>
+                <a:ext uri="{FF2B5EF4-FFF2-40B4-BE49-F238E27FC236}">
+                  <a16:creationId xmlns:a16="http://schemas.microsoft.com/office/drawing/2014/main" id="{1623BCBA-3AB6-4EC8-92E1-827AE75D249F}"/>
+                </a:ext>
+              </a:extLst>
+            </p:cNvPr>
+            <p:cNvGrpSpPr/>
+            <p:nvPr/>
+          </p:nvGrpSpPr>
+          <p:grpSpPr>
+            <a:xfrm>
+              <a:off x="2598523" y="1614673"/>
+              <a:ext cx="1063796" cy="127319"/>
+              <a:chOff x="7824486" y="3443468"/>
+              <a:chExt cx="1660966" cy="500697"/>
+            </a:xfrm>
+          </p:grpSpPr>
+          <p:cxnSp>
+            <p:nvCxnSpPr>
+              <p:cNvPr id="6" name="Connecteur droit 5">
+                <a:extLst>
+                  <a:ext uri="{FF2B5EF4-FFF2-40B4-BE49-F238E27FC236}">
+                    <a16:creationId xmlns:a16="http://schemas.microsoft.com/office/drawing/2014/main" id="{88DDD0DF-5F16-49E9-B99A-397D65416568}"/>
+                  </a:ext>
+                </a:extLst>
+              </p:cNvPr>
+              <p:cNvCxnSpPr>
+                <a:cxnSpLocks/>
+              </p:cNvCxnSpPr>
+              <p:nvPr/>
+            </p:nvCxnSpPr>
+            <p:spPr>
+              <a:xfrm flipV="1">
+                <a:off x="7824486" y="3443468"/>
+                <a:ext cx="0" cy="500697"/>
+              </a:xfrm>
+              <a:prstGeom prst="line">
+                <a:avLst/>
+              </a:prstGeom>
+              <a:ln w="19050">
+                <a:solidFill>
+                  <a:schemeClr val="tx1"/>
+                </a:solidFill>
+              </a:ln>
+            </p:spPr>
+            <p:style>
+              <a:lnRef idx="1">
+                <a:schemeClr val="accent1"/>
+              </a:lnRef>
+              <a:fillRef idx="0">
+                <a:schemeClr val="accent1"/>
+              </a:fillRef>
+              <a:effectRef idx="0">
+                <a:schemeClr val="accent1"/>
+              </a:effectRef>
+              <a:fontRef idx="minor">
+                <a:schemeClr val="tx1"/>
+              </a:fontRef>
+            </p:style>
+          </p:cxnSp>
+          <p:cxnSp>
+            <p:nvCxnSpPr>
+              <p:cNvPr id="7" name="Connecteur droit 6">
+                <a:extLst>
+                  <a:ext uri="{FF2B5EF4-FFF2-40B4-BE49-F238E27FC236}">
+                    <a16:creationId xmlns:a16="http://schemas.microsoft.com/office/drawing/2014/main" id="{BAAC471A-9283-41D9-AF83-65CC3908408E}"/>
+                  </a:ext>
+                </a:extLst>
+              </p:cNvPr>
+              <p:cNvCxnSpPr>
+                <a:cxnSpLocks/>
+              </p:cNvCxnSpPr>
+              <p:nvPr/>
+            </p:nvCxnSpPr>
+            <p:spPr>
+              <a:xfrm>
+                <a:off x="7824486" y="3449254"/>
+                <a:ext cx="1660966" cy="5880"/>
+              </a:xfrm>
+              <a:prstGeom prst="line">
+                <a:avLst/>
+              </a:prstGeom>
+              <a:ln w="19050">
+                <a:solidFill>
+                  <a:schemeClr val="tx1"/>
+                </a:solidFill>
+              </a:ln>
+            </p:spPr>
+            <p:style>
+              <a:lnRef idx="1">
+                <a:schemeClr val="accent1"/>
+              </a:lnRef>
+              <a:fillRef idx="0">
+                <a:schemeClr val="accent1"/>
+              </a:fillRef>
+              <a:effectRef idx="0">
+                <a:schemeClr val="accent1"/>
+              </a:effectRef>
+              <a:fontRef idx="minor">
+                <a:schemeClr val="tx1"/>
+              </a:fontRef>
+            </p:style>
+          </p:cxnSp>
+          <p:cxnSp>
+            <p:nvCxnSpPr>
+              <p:cNvPr id="8" name="Connecteur droit 7">
+                <a:extLst>
+                  <a:ext uri="{FF2B5EF4-FFF2-40B4-BE49-F238E27FC236}">
+                    <a16:creationId xmlns:a16="http://schemas.microsoft.com/office/drawing/2014/main" id="{FE6E65BA-DEB9-4578-B4A9-7DC58589C4E6}"/>
+                  </a:ext>
+                </a:extLst>
+              </p:cNvPr>
+              <p:cNvCxnSpPr>
+                <a:cxnSpLocks/>
+              </p:cNvCxnSpPr>
+              <p:nvPr/>
+            </p:nvCxnSpPr>
+            <p:spPr>
+              <a:xfrm>
+                <a:off x="9482558" y="3452194"/>
+                <a:ext cx="0" cy="491971"/>
+              </a:xfrm>
+              <a:prstGeom prst="line">
+                <a:avLst/>
+              </a:prstGeom>
+              <a:ln w="19050">
+                <a:solidFill>
+                  <a:schemeClr val="tx1"/>
+                </a:solidFill>
+              </a:ln>
+            </p:spPr>
+            <p:style>
+              <a:lnRef idx="1">
+                <a:schemeClr val="accent1"/>
+              </a:lnRef>
+              <a:fillRef idx="0">
+                <a:schemeClr val="accent1"/>
+              </a:fillRef>
+              <a:effectRef idx="0">
+                <a:schemeClr val="accent1"/>
+              </a:effectRef>
+              <a:fontRef idx="minor">
+                <a:schemeClr val="tx1"/>
+              </a:fontRef>
+            </p:style>
+          </p:cxnSp>
+        </p:grpSp>
+        <p:sp>
+          <p:nvSpPr>
+            <p:cNvPr id="21" name="ZoneTexte 20">
+              <a:extLst>
+                <a:ext uri="{FF2B5EF4-FFF2-40B4-BE49-F238E27FC236}">
+                  <a16:creationId xmlns:a16="http://schemas.microsoft.com/office/drawing/2014/main" id="{EFD05245-AFB2-4F76-B2F8-A955C9B0D190}"/>
+                </a:ext>
+              </a:extLst>
+            </p:cNvPr>
+            <p:cNvSpPr txBox="1"/>
+            <p:nvPr/>
+          </p:nvSpPr>
+          <p:spPr>
+            <a:xfrm>
+              <a:off x="2681633" y="1270933"/>
+              <a:ext cx="1594847" cy="400110"/>
+            </a:xfrm>
+            <a:prstGeom prst="rect">
+              <a:avLst/>
+            </a:prstGeom>
+            <a:noFill/>
+          </p:spPr>
+          <p:txBody>
+            <a:bodyPr wrap="square" rtlCol="0">
+              <a:spAutoFit/>
+            </a:bodyPr>
+            <a:lstStyle/>
+            <a:p>
+              <a:r>
+                <a:rPr lang="fr-FR" sz="2000" i="1" dirty="0"/>
+                <a:t>P =</a:t>
+              </a:r>
+              <a:r>
+                <a:rPr lang="fr-FR" sz="2000" dirty="0"/>
+                <a:t>0.001 </a:t>
+              </a:r>
+            </a:p>
+          </p:txBody>
+        </p:sp>
+      </p:grpSp>
+      <p:grpSp>
+        <p:nvGrpSpPr>
+          <p:cNvPr id="27" name="Groupe 26">
+            <a:extLst>
+              <a:ext uri="{FF2B5EF4-FFF2-40B4-BE49-F238E27FC236}">
+                <a16:creationId xmlns:a16="http://schemas.microsoft.com/office/drawing/2014/main" id="{138361E4-FBF1-4A0B-A5AA-55AFA97B7749}"/>
+              </a:ext>
+            </a:extLst>
+          </p:cNvPr>
+          <p:cNvGrpSpPr/>
+          <p:nvPr/>
+        </p:nvGrpSpPr>
+        <p:grpSpPr>
+          <a:xfrm>
+            <a:off x="4597466" y="662006"/>
+            <a:ext cx="2004173" cy="512222"/>
+            <a:chOff x="4741769" y="1229770"/>
+            <a:chExt cx="1692429" cy="512222"/>
+          </a:xfrm>
+        </p:grpSpPr>
+        <p:grpSp>
+          <p:nvGrpSpPr>
+            <p:cNvPr id="9" name="Groupe 8">
+              <a:extLst>
+                <a:ext uri="{FF2B5EF4-FFF2-40B4-BE49-F238E27FC236}">
+                  <a16:creationId xmlns:a16="http://schemas.microsoft.com/office/drawing/2014/main" id="{87D880D8-9C0C-450F-B359-584AC27C3F53}"/>
+                </a:ext>
+              </a:extLst>
+            </p:cNvPr>
+            <p:cNvGrpSpPr/>
+            <p:nvPr/>
+          </p:nvGrpSpPr>
+          <p:grpSpPr>
+            <a:xfrm>
+              <a:off x="4741769" y="1614673"/>
+              <a:ext cx="1063796" cy="127319"/>
+              <a:chOff x="7824486" y="3443468"/>
+              <a:chExt cx="1660966" cy="500697"/>
+            </a:xfrm>
+          </p:grpSpPr>
+          <p:cxnSp>
+            <p:nvCxnSpPr>
+              <p:cNvPr id="10" name="Connecteur droit 9">
+                <a:extLst>
+                  <a:ext uri="{FF2B5EF4-FFF2-40B4-BE49-F238E27FC236}">
+                    <a16:creationId xmlns:a16="http://schemas.microsoft.com/office/drawing/2014/main" id="{778EB69A-DA52-4137-BDAD-C6B9A158DF27}"/>
+                  </a:ext>
+                </a:extLst>
+              </p:cNvPr>
+              <p:cNvCxnSpPr>
+                <a:cxnSpLocks/>
+              </p:cNvCxnSpPr>
+              <p:nvPr/>
+            </p:nvCxnSpPr>
+            <p:spPr>
+              <a:xfrm flipV="1">
+                <a:off x="7824486" y="3443468"/>
+                <a:ext cx="0" cy="500697"/>
+              </a:xfrm>
+              <a:prstGeom prst="line">
+                <a:avLst/>
+              </a:prstGeom>
+              <a:ln w="19050">
+                <a:solidFill>
+                  <a:schemeClr val="tx1"/>
+                </a:solidFill>
+              </a:ln>
+            </p:spPr>
+            <p:style>
+              <a:lnRef idx="1">
+                <a:schemeClr val="accent1"/>
+              </a:lnRef>
+              <a:fillRef idx="0">
+                <a:schemeClr val="accent1"/>
+              </a:fillRef>
+              <a:effectRef idx="0">
+                <a:schemeClr val="accent1"/>
+              </a:effectRef>
+              <a:fontRef idx="minor">
+                <a:schemeClr val="tx1"/>
+              </a:fontRef>
+            </p:style>
+          </p:cxnSp>
+          <p:cxnSp>
+            <p:nvCxnSpPr>
+              <p:cNvPr id="11" name="Connecteur droit 10">
+                <a:extLst>
+                  <a:ext uri="{FF2B5EF4-FFF2-40B4-BE49-F238E27FC236}">
+                    <a16:creationId xmlns:a16="http://schemas.microsoft.com/office/drawing/2014/main" id="{1AC21215-56BA-4FAD-BD7D-C8A5D1D9F72C}"/>
+                  </a:ext>
+                </a:extLst>
+              </p:cNvPr>
+              <p:cNvCxnSpPr>
+                <a:cxnSpLocks/>
+              </p:cNvCxnSpPr>
+              <p:nvPr/>
+            </p:nvCxnSpPr>
+            <p:spPr>
+              <a:xfrm>
+                <a:off x="7824486" y="3449254"/>
+                <a:ext cx="1660966" cy="5880"/>
+              </a:xfrm>
+              <a:prstGeom prst="line">
+                <a:avLst/>
+              </a:prstGeom>
+              <a:ln w="19050">
+                <a:solidFill>
+                  <a:schemeClr val="tx1"/>
+                </a:solidFill>
+              </a:ln>
+            </p:spPr>
+            <p:style>
+              <a:lnRef idx="1">
+                <a:schemeClr val="accent1"/>
+              </a:lnRef>
+              <a:fillRef idx="0">
+                <a:schemeClr val="accent1"/>
+              </a:fillRef>
+              <a:effectRef idx="0">
+                <a:schemeClr val="accent1"/>
+              </a:effectRef>
+              <a:fontRef idx="minor">
+                <a:schemeClr val="tx1"/>
+              </a:fontRef>
+            </p:style>
+          </p:cxnSp>
+          <p:cxnSp>
+            <p:nvCxnSpPr>
+              <p:cNvPr id="12" name="Connecteur droit 11">
+                <a:extLst>
+                  <a:ext uri="{FF2B5EF4-FFF2-40B4-BE49-F238E27FC236}">
+                    <a16:creationId xmlns:a16="http://schemas.microsoft.com/office/drawing/2014/main" id="{F4848C9D-6534-433F-8A0D-5CF98F0EF60D}"/>
+                  </a:ext>
+                </a:extLst>
+              </p:cNvPr>
+              <p:cNvCxnSpPr>
+                <a:cxnSpLocks/>
+              </p:cNvCxnSpPr>
+              <p:nvPr/>
+            </p:nvCxnSpPr>
+            <p:spPr>
+              <a:xfrm>
+                <a:off x="9482558" y="3452194"/>
+                <a:ext cx="0" cy="491971"/>
+              </a:xfrm>
+              <a:prstGeom prst="line">
+                <a:avLst/>
+              </a:prstGeom>
+              <a:ln w="19050">
+                <a:solidFill>
+                  <a:schemeClr val="tx1"/>
+                </a:solidFill>
+              </a:ln>
+            </p:spPr>
+            <p:style>
+              <a:lnRef idx="1">
+                <a:schemeClr val="accent1"/>
+              </a:lnRef>
+              <a:fillRef idx="0">
+                <a:schemeClr val="accent1"/>
+              </a:fillRef>
+              <a:effectRef idx="0">
+                <a:schemeClr val="accent1"/>
+              </a:effectRef>
+              <a:fontRef idx="minor">
+                <a:schemeClr val="tx1"/>
+              </a:fontRef>
+            </p:style>
+          </p:cxnSp>
+        </p:grpSp>
+        <p:sp>
+          <p:nvSpPr>
+            <p:cNvPr id="22" name="ZoneTexte 21">
+              <a:extLst>
+                <a:ext uri="{FF2B5EF4-FFF2-40B4-BE49-F238E27FC236}">
+                  <a16:creationId xmlns:a16="http://schemas.microsoft.com/office/drawing/2014/main" id="{612D9F1D-C1DC-49EB-A5A0-78AAF3F7ACD4}"/>
+                </a:ext>
+              </a:extLst>
+            </p:cNvPr>
+            <p:cNvSpPr txBox="1"/>
+            <p:nvPr/>
+          </p:nvSpPr>
+          <p:spPr>
+            <a:xfrm>
+              <a:off x="4839351" y="1229770"/>
+              <a:ext cx="1594847" cy="400110"/>
+            </a:xfrm>
+            <a:prstGeom prst="rect">
+              <a:avLst/>
+            </a:prstGeom>
+            <a:noFill/>
+          </p:spPr>
+          <p:txBody>
+            <a:bodyPr wrap="square" rtlCol="0">
+              <a:spAutoFit/>
+            </a:bodyPr>
+            <a:lstStyle/>
+            <a:p>
+              <a:r>
+                <a:rPr lang="fr-FR" sz="2000" i="1" dirty="0"/>
+                <a:t>P =5E-05</a:t>
+              </a:r>
+              <a:r>
+                <a:rPr lang="fr-FR" sz="2000" dirty="0"/>
+                <a:t> </a:t>
+              </a:r>
+            </a:p>
+          </p:txBody>
+        </p:sp>
+      </p:grpSp>
+      <p:grpSp>
+        <p:nvGrpSpPr>
+          <p:cNvPr id="25" name="Groupe 24">
+            <a:extLst>
+              <a:ext uri="{FF2B5EF4-FFF2-40B4-BE49-F238E27FC236}">
+                <a16:creationId xmlns:a16="http://schemas.microsoft.com/office/drawing/2014/main" id="{D5397535-583F-4D33-A8E0-8C3F475C7696}"/>
+              </a:ext>
+            </a:extLst>
+          </p:cNvPr>
+          <p:cNvGrpSpPr/>
+          <p:nvPr/>
+        </p:nvGrpSpPr>
+        <p:grpSpPr>
+          <a:xfrm>
+            <a:off x="9854017" y="642667"/>
+            <a:ext cx="1691851" cy="707886"/>
+            <a:chOff x="8943890" y="1260729"/>
+            <a:chExt cx="1513966" cy="707886"/>
+          </a:xfrm>
+        </p:grpSpPr>
+        <p:grpSp>
+          <p:nvGrpSpPr>
+            <p:cNvPr id="17" name="Groupe 16">
+              <a:extLst>
+                <a:ext uri="{FF2B5EF4-FFF2-40B4-BE49-F238E27FC236}">
+                  <a16:creationId xmlns:a16="http://schemas.microsoft.com/office/drawing/2014/main" id="{AFAF85E3-87ED-428A-B34E-DC8EE43B6E5B}"/>
+                </a:ext>
+              </a:extLst>
+            </p:cNvPr>
+            <p:cNvGrpSpPr/>
+            <p:nvPr/>
+          </p:nvGrpSpPr>
+          <p:grpSpPr>
+            <a:xfrm>
+              <a:off x="8943890" y="1614672"/>
+              <a:ext cx="1063796" cy="127319"/>
+              <a:chOff x="7824486" y="3443468"/>
+              <a:chExt cx="1660966" cy="500697"/>
+            </a:xfrm>
+          </p:grpSpPr>
+          <p:cxnSp>
+            <p:nvCxnSpPr>
+              <p:cNvPr id="18" name="Connecteur droit 17">
+                <a:extLst>
+                  <a:ext uri="{FF2B5EF4-FFF2-40B4-BE49-F238E27FC236}">
+                    <a16:creationId xmlns:a16="http://schemas.microsoft.com/office/drawing/2014/main" id="{10B69CD7-D5C5-44D1-94EB-40D62431CF71}"/>
+                  </a:ext>
+                </a:extLst>
+              </p:cNvPr>
+              <p:cNvCxnSpPr>
+                <a:cxnSpLocks/>
+              </p:cNvCxnSpPr>
+              <p:nvPr/>
+            </p:nvCxnSpPr>
+            <p:spPr>
+              <a:xfrm flipV="1">
+                <a:off x="7824486" y="3443468"/>
+                <a:ext cx="0" cy="500697"/>
+              </a:xfrm>
+              <a:prstGeom prst="line">
+                <a:avLst/>
+              </a:prstGeom>
+              <a:ln w="19050">
+                <a:solidFill>
+                  <a:schemeClr val="tx1"/>
+                </a:solidFill>
+              </a:ln>
+            </p:spPr>
+            <p:style>
+              <a:lnRef idx="1">
+                <a:schemeClr val="accent1"/>
+              </a:lnRef>
+              <a:fillRef idx="0">
+                <a:schemeClr val="accent1"/>
+              </a:fillRef>
+              <a:effectRef idx="0">
+                <a:schemeClr val="accent1"/>
+              </a:effectRef>
+              <a:fontRef idx="minor">
+                <a:schemeClr val="tx1"/>
+              </a:fontRef>
+            </p:style>
+          </p:cxnSp>
+          <p:cxnSp>
+            <p:nvCxnSpPr>
+              <p:cNvPr id="19" name="Connecteur droit 18">
+                <a:extLst>
+                  <a:ext uri="{FF2B5EF4-FFF2-40B4-BE49-F238E27FC236}">
+                    <a16:creationId xmlns:a16="http://schemas.microsoft.com/office/drawing/2014/main" id="{43C0A0F4-470C-4696-9923-98EE4F4F4A51}"/>
+                  </a:ext>
+                </a:extLst>
+              </p:cNvPr>
+              <p:cNvCxnSpPr>
+                <a:cxnSpLocks/>
+              </p:cNvCxnSpPr>
+              <p:nvPr/>
+            </p:nvCxnSpPr>
+            <p:spPr>
+              <a:xfrm>
+                <a:off x="7824486" y="3449254"/>
+                <a:ext cx="1660966" cy="5880"/>
+              </a:xfrm>
+              <a:prstGeom prst="line">
+                <a:avLst/>
+              </a:prstGeom>
+              <a:ln w="19050">
+                <a:solidFill>
+                  <a:schemeClr val="tx1"/>
+                </a:solidFill>
+              </a:ln>
+            </p:spPr>
+            <p:style>
+              <a:lnRef idx="1">
+                <a:schemeClr val="accent1"/>
+              </a:lnRef>
+              <a:fillRef idx="0">
+                <a:schemeClr val="accent1"/>
+              </a:fillRef>
+              <a:effectRef idx="0">
+                <a:schemeClr val="accent1"/>
+              </a:effectRef>
+              <a:fontRef idx="minor">
+                <a:schemeClr val="tx1"/>
+              </a:fontRef>
+            </p:style>
+          </p:cxnSp>
+          <p:cxnSp>
+            <p:nvCxnSpPr>
+              <p:cNvPr id="20" name="Connecteur droit 19">
+                <a:extLst>
+                  <a:ext uri="{FF2B5EF4-FFF2-40B4-BE49-F238E27FC236}">
+                    <a16:creationId xmlns:a16="http://schemas.microsoft.com/office/drawing/2014/main" id="{6222AC91-9082-486F-A152-7A06CB25F63B}"/>
+                  </a:ext>
+                </a:extLst>
+              </p:cNvPr>
+              <p:cNvCxnSpPr>
+                <a:cxnSpLocks/>
+              </p:cNvCxnSpPr>
+              <p:nvPr/>
+            </p:nvCxnSpPr>
+            <p:spPr>
+              <a:xfrm>
+                <a:off x="9482558" y="3452194"/>
+                <a:ext cx="0" cy="491971"/>
+              </a:xfrm>
+              <a:prstGeom prst="line">
+                <a:avLst/>
+              </a:prstGeom>
+              <a:ln w="19050">
+                <a:solidFill>
+                  <a:schemeClr val="tx1"/>
+                </a:solidFill>
+              </a:ln>
+            </p:spPr>
+            <p:style>
+              <a:lnRef idx="1">
+                <a:schemeClr val="accent1"/>
+              </a:lnRef>
+              <a:fillRef idx="0">
+                <a:schemeClr val="accent1"/>
+              </a:fillRef>
+              <a:effectRef idx="0">
+                <a:schemeClr val="accent1"/>
+              </a:effectRef>
+              <a:fontRef idx="minor">
+                <a:schemeClr val="tx1"/>
+              </a:fontRef>
+            </p:style>
+          </p:cxnSp>
+        </p:grpSp>
+        <p:sp>
+          <p:nvSpPr>
+            <p:cNvPr id="23" name="ZoneTexte 22">
+              <a:extLst>
+                <a:ext uri="{FF2B5EF4-FFF2-40B4-BE49-F238E27FC236}">
+                  <a16:creationId xmlns:a16="http://schemas.microsoft.com/office/drawing/2014/main" id="{3181E1B1-5AD4-465B-8962-AE69C948A43B}"/>
+                </a:ext>
+              </a:extLst>
+            </p:cNvPr>
+            <p:cNvSpPr txBox="1"/>
+            <p:nvPr/>
+          </p:nvSpPr>
+          <p:spPr>
+            <a:xfrm>
+              <a:off x="8984759" y="1260729"/>
+              <a:ext cx="1473097" cy="707886"/>
+            </a:xfrm>
+            <a:prstGeom prst="rect">
+              <a:avLst/>
+            </a:prstGeom>
+            <a:noFill/>
+          </p:spPr>
+          <p:txBody>
+            <a:bodyPr wrap="square" rtlCol="0">
+              <a:spAutoFit/>
+            </a:bodyPr>
+            <a:lstStyle/>
+            <a:p>
+              <a:r>
+                <a:rPr lang="fr-FR" sz="2000" i="1" dirty="0"/>
+                <a:t>P =6E-11</a:t>
+              </a:r>
+            </a:p>
+            <a:p>
+              <a:r>
+                <a:rPr lang="fr-FR" sz="2000" dirty="0"/>
+                <a:t> </a:t>
+              </a:r>
+            </a:p>
+          </p:txBody>
+        </p:sp>
+      </p:grpSp>
+      <p:grpSp>
+        <p:nvGrpSpPr>
+          <p:cNvPr id="26" name="Groupe 25">
+            <a:extLst>
+              <a:ext uri="{FF2B5EF4-FFF2-40B4-BE49-F238E27FC236}">
+                <a16:creationId xmlns:a16="http://schemas.microsoft.com/office/drawing/2014/main" id="{17E33AB1-BE83-4539-9B43-A1DBB47C2D69}"/>
+              </a:ext>
+            </a:extLst>
+          </p:cNvPr>
+          <p:cNvGrpSpPr/>
+          <p:nvPr/>
+        </p:nvGrpSpPr>
+        <p:grpSpPr>
+          <a:xfrm>
+            <a:off x="7184921" y="679588"/>
+            <a:ext cx="1419929" cy="707886"/>
+            <a:chOff x="6885015" y="1247352"/>
+            <a:chExt cx="1156202" cy="707886"/>
+          </a:xfrm>
+        </p:grpSpPr>
+        <p:grpSp>
+          <p:nvGrpSpPr>
+            <p:cNvPr id="13" name="Groupe 12">
+              <a:extLst>
+                <a:ext uri="{FF2B5EF4-FFF2-40B4-BE49-F238E27FC236}">
+                  <a16:creationId xmlns:a16="http://schemas.microsoft.com/office/drawing/2014/main" id="{E083BCC9-CDF6-437C-90BE-50831124C302}"/>
+                </a:ext>
+              </a:extLst>
+            </p:cNvPr>
+            <p:cNvGrpSpPr/>
+            <p:nvPr/>
+          </p:nvGrpSpPr>
+          <p:grpSpPr>
+            <a:xfrm>
+              <a:off x="6885015" y="1614673"/>
+              <a:ext cx="1063796" cy="127319"/>
+              <a:chOff x="7824486" y="3443468"/>
+              <a:chExt cx="1660966" cy="500697"/>
+            </a:xfrm>
+          </p:grpSpPr>
+          <p:cxnSp>
+            <p:nvCxnSpPr>
+              <p:cNvPr id="14" name="Connecteur droit 13">
+                <a:extLst>
+                  <a:ext uri="{FF2B5EF4-FFF2-40B4-BE49-F238E27FC236}">
+                    <a16:creationId xmlns:a16="http://schemas.microsoft.com/office/drawing/2014/main" id="{AF60AE78-8897-45EE-9A6F-08639EF3ABAC}"/>
+                  </a:ext>
+                </a:extLst>
+              </p:cNvPr>
+              <p:cNvCxnSpPr>
+                <a:cxnSpLocks/>
+              </p:cNvCxnSpPr>
+              <p:nvPr/>
+            </p:nvCxnSpPr>
+            <p:spPr>
+              <a:xfrm flipV="1">
+                <a:off x="7824486" y="3443468"/>
+                <a:ext cx="0" cy="500697"/>
+              </a:xfrm>
+              <a:prstGeom prst="line">
+                <a:avLst/>
+              </a:prstGeom>
+              <a:ln w="19050">
+                <a:solidFill>
+                  <a:schemeClr val="tx1"/>
+                </a:solidFill>
+              </a:ln>
+            </p:spPr>
+            <p:style>
+              <a:lnRef idx="1">
+                <a:schemeClr val="accent1"/>
+              </a:lnRef>
+              <a:fillRef idx="0">
+                <a:schemeClr val="accent1"/>
+              </a:fillRef>
+              <a:effectRef idx="0">
+                <a:schemeClr val="accent1"/>
+              </a:effectRef>
+              <a:fontRef idx="minor">
+                <a:schemeClr val="tx1"/>
+              </a:fontRef>
+            </p:style>
+          </p:cxnSp>
+          <p:cxnSp>
+            <p:nvCxnSpPr>
+              <p:cNvPr id="15" name="Connecteur droit 14">
+                <a:extLst>
+                  <a:ext uri="{FF2B5EF4-FFF2-40B4-BE49-F238E27FC236}">
+                    <a16:creationId xmlns:a16="http://schemas.microsoft.com/office/drawing/2014/main" id="{A73484C7-4021-4CAC-9372-C4DAD2EE7EDE}"/>
+                  </a:ext>
+                </a:extLst>
+              </p:cNvPr>
+              <p:cNvCxnSpPr>
+                <a:cxnSpLocks/>
+              </p:cNvCxnSpPr>
+              <p:nvPr/>
+            </p:nvCxnSpPr>
+            <p:spPr>
+              <a:xfrm>
+                <a:off x="7824486" y="3449254"/>
+                <a:ext cx="1660966" cy="5880"/>
+              </a:xfrm>
+              <a:prstGeom prst="line">
+                <a:avLst/>
+              </a:prstGeom>
+              <a:ln w="19050">
+                <a:solidFill>
+                  <a:schemeClr val="tx1"/>
+                </a:solidFill>
+              </a:ln>
+            </p:spPr>
+            <p:style>
+              <a:lnRef idx="1">
+                <a:schemeClr val="accent1"/>
+              </a:lnRef>
+              <a:fillRef idx="0">
+                <a:schemeClr val="accent1"/>
+              </a:fillRef>
+              <a:effectRef idx="0">
+                <a:schemeClr val="accent1"/>
+              </a:effectRef>
+              <a:fontRef idx="minor">
+                <a:schemeClr val="tx1"/>
+              </a:fontRef>
+            </p:style>
+          </p:cxnSp>
+          <p:cxnSp>
+            <p:nvCxnSpPr>
+              <p:cNvPr id="16" name="Connecteur droit 15">
+                <a:extLst>
+                  <a:ext uri="{FF2B5EF4-FFF2-40B4-BE49-F238E27FC236}">
+                    <a16:creationId xmlns:a16="http://schemas.microsoft.com/office/drawing/2014/main" id="{D9444DE2-84DD-45EF-AE2A-A19F21EA2785}"/>
+                  </a:ext>
+                </a:extLst>
+              </p:cNvPr>
+              <p:cNvCxnSpPr>
+                <a:cxnSpLocks/>
+              </p:cNvCxnSpPr>
+              <p:nvPr/>
+            </p:nvCxnSpPr>
+            <p:spPr>
+              <a:xfrm>
+                <a:off x="9482558" y="3452194"/>
+                <a:ext cx="0" cy="491971"/>
+              </a:xfrm>
+              <a:prstGeom prst="line">
+                <a:avLst/>
+              </a:prstGeom>
+              <a:ln w="19050">
+                <a:solidFill>
+                  <a:schemeClr val="tx1"/>
+                </a:solidFill>
+              </a:ln>
+            </p:spPr>
+            <p:style>
+              <a:lnRef idx="1">
+                <a:schemeClr val="accent1"/>
+              </a:lnRef>
+              <a:fillRef idx="0">
+                <a:schemeClr val="accent1"/>
+              </a:fillRef>
+              <a:effectRef idx="0">
+                <a:schemeClr val="accent1"/>
+              </a:effectRef>
+              <a:fontRef idx="minor">
+                <a:schemeClr val="tx1"/>
+              </a:fontRef>
+            </p:style>
+          </p:cxnSp>
+        </p:grpSp>
+        <p:sp>
+          <p:nvSpPr>
+            <p:cNvPr id="24" name="ZoneTexte 23">
+              <a:extLst>
+                <a:ext uri="{FF2B5EF4-FFF2-40B4-BE49-F238E27FC236}">
+                  <a16:creationId xmlns:a16="http://schemas.microsoft.com/office/drawing/2014/main" id="{E8D22DC5-F479-4742-AD68-BB6D010EBCC4}"/>
+                </a:ext>
+              </a:extLst>
+            </p:cNvPr>
+            <p:cNvSpPr txBox="1"/>
+            <p:nvPr/>
+          </p:nvSpPr>
+          <p:spPr>
+            <a:xfrm>
+              <a:off x="6997062" y="1247352"/>
+              <a:ext cx="1044155" cy="707886"/>
+            </a:xfrm>
+            <a:prstGeom prst="rect">
+              <a:avLst/>
+            </a:prstGeom>
+            <a:noFill/>
+          </p:spPr>
+          <p:txBody>
+            <a:bodyPr wrap="square" rtlCol="0">
+              <a:spAutoFit/>
+            </a:bodyPr>
+            <a:lstStyle/>
+            <a:p>
+              <a:r>
+                <a:rPr lang="fr-FR" sz="2000" i="1" dirty="0"/>
+                <a:t>P =0.58</a:t>
+              </a:r>
+              <a:endParaRPr lang="fr-FR" sz="2000" dirty="0"/>
+            </a:p>
+          </p:txBody>
+        </p:sp>
+      </p:grpSp>
+      <p:sp>
+        <p:nvSpPr>
+          <p:cNvPr id="29" name="Rectangle 28">
+            <a:extLst>
+              <a:ext uri="{FF2B5EF4-FFF2-40B4-BE49-F238E27FC236}">
+                <a16:creationId xmlns:a16="http://schemas.microsoft.com/office/drawing/2014/main" id="{EB2CB681-90FD-47A1-B031-66091AAFB2D8}"/>
+              </a:ext>
+            </a:extLst>
+          </p:cNvPr>
+          <p:cNvSpPr/>
+          <p:nvPr/>
+        </p:nvSpPr>
+        <p:spPr>
+          <a:xfrm>
+            <a:off x="376518" y="442259"/>
+            <a:ext cx="11618258" cy="6179670"/>
+          </a:xfrm>
+          <a:prstGeom prst="rect">
+            <a:avLst/>
+          </a:prstGeom>
+          <a:noFill/>
+          <a:ln>
+            <a:solidFill>
+              <a:schemeClr val="tx1"/>
+            </a:solidFill>
+          </a:ln>
+        </p:spPr>
+        <p:style>
+          <a:lnRef idx="2">
+            <a:schemeClr val="accent1">
+              <a:shade val="50000"/>
+            </a:schemeClr>
+          </a:lnRef>
+          <a:fillRef idx="1">
+            <a:schemeClr val="accent1"/>
+          </a:fillRef>
+          <a:effectRef idx="0">
+            <a:schemeClr val="accent1"/>
+          </a:effectRef>
+          <a:fontRef idx="minor">
+            <a:schemeClr val="lt1"/>
+          </a:fontRef>
+        </p:style>
+        <p:txBody>
+          <a:bodyPr rtlCol="0" anchor="ctr"/>
+          <a:lstStyle/>
+          <a:p>
+            <a:pPr algn="ctr"/>
+            <a:endParaRPr lang="fr-FR"/>
+          </a:p>
+        </p:txBody>
+      </p:sp>
+    </p:spTree>
+    <p:extLst>
+      <p:ext uri="{BB962C8B-B14F-4D97-AF65-F5344CB8AC3E}">
+        <p14:creationId xmlns:p14="http://schemas.microsoft.com/office/powerpoint/2010/main" val="3947396283"/>
       </p:ext>
     </p:extLst>
   </p:cSld>
